--- a/Keystone Workflow.pptx
+++ b/Keystone Workflow.pptx
@@ -120,6 +120,22 @@
       </a:defRPr>
     </a:lvl9pPr>
   </p:defaultTextStyle>
+  <p:extLst>
+    <p:ext uri="{EFAFB233-063F-42B5-8137-9DF3F51BA10A}">
+      <p15:sldGuideLst xmlns:p15="http://schemas.microsoft.com/office/powerpoint/2012/main">
+        <p15:guide id="1" orient="horz" pos="2160">
+          <p15:clr>
+            <a:srgbClr val="A4A3A4"/>
+          </p15:clr>
+        </p15:guide>
+        <p15:guide id="2" pos="2880">
+          <p15:clr>
+            <a:srgbClr val="A4A3A4"/>
+          </p15:clr>
+        </p15:guide>
+      </p15:sldGuideLst>
+    </p:ext>
+  </p:extLst>
 </p:presentation>
 </file>
 
@@ -1205,9 +1221,7 @@
         </p:style>
         <p:txBody>
           <a:bodyPr anchor="ctr"/>
-          <a:lstStyle>
-            <a:extLst/>
-          </a:lstStyle>
+          <a:lstStyle/>
           <a:p>
             <a:pPr algn="ctr" eaLnBrk="1" latinLnBrk="0" hangingPunct="1"/>
             <a:endParaRPr kumimoji="0" lang="en-US"/>
@@ -1246,9 +1260,7 @@
         </p:spPr>
         <p:txBody>
           <a:bodyPr vert="horz" wrap="square" lIns="91440" tIns="45720" rIns="91440" bIns="45720" anchor="t" compatLnSpc="1"/>
-          <a:lstStyle>
-            <a:extLst/>
-          </a:lstStyle>
+          <a:lstStyle/>
           <a:p>
             <a:endParaRPr kumimoji="0" lang="en-US"/>
           </a:p>
@@ -1497,9 +1509,7 @@
         <p:spPr/>
         <p:txBody>
           <a:bodyPr/>
-          <a:lstStyle>
-            <a:extLst/>
-          </a:lstStyle>
+          <a:lstStyle/>
           <a:p>
             <a:r>
               <a:rPr kumimoji="0" lang="en-US" smtClean="0"/>
@@ -1522,9 +1532,7 @@
         <p:spPr/>
         <p:txBody>
           <a:bodyPr vert="eaVert"/>
-          <a:lstStyle>
-            <a:extLst/>
-          </a:lstStyle>
+          <a:lstStyle/>
           <a:p>
             <a:pPr lvl="0" eaLnBrk="1" latinLnBrk="0" hangingPunct="1"/>
             <a:r>
@@ -1576,9 +1584,7 @@
         <p:spPr/>
         <p:txBody>
           <a:bodyPr/>
-          <a:lstStyle>
-            <a:extLst/>
-          </a:lstStyle>
+          <a:lstStyle/>
           <a:p>
             <a:fld id="{AD37F492-0147-4240-B458-E5615735807C}" type="datetimeFigureOut">
               <a:rPr lang="en-US" smtClean="0"/>
@@ -1601,9 +1607,7 @@
         <p:spPr/>
         <p:txBody>
           <a:bodyPr/>
-          <a:lstStyle>
-            <a:extLst/>
-          </a:lstStyle>
+          <a:lstStyle/>
           <a:p>
             <a:endParaRPr lang="en-US"/>
           </a:p>
@@ -1622,9 +1626,7 @@
         <p:spPr/>
         <p:txBody>
           <a:bodyPr/>
-          <a:lstStyle>
-            <a:extLst/>
-          </a:lstStyle>
+          <a:lstStyle/>
           <a:p>
             <a:fld id="{22741F26-D9CC-4BF9-95EB-E951E7C907AE}" type="slidenum">
               <a:rPr lang="en-US" smtClean="0"/>
@@ -1677,9 +1679,7 @@
         </p:spPr>
         <p:txBody>
           <a:bodyPr vert="eaVert" anchor="t"/>
-          <a:lstStyle>
-            <a:extLst/>
-          </a:lstStyle>
+          <a:lstStyle/>
           <a:p>
             <a:r>
               <a:rPr kumimoji="0" lang="en-US" smtClean="0"/>
@@ -1707,9 +1707,7 @@
         </p:spPr>
         <p:txBody>
           <a:bodyPr vert="eaVert"/>
-          <a:lstStyle>
-            <a:extLst/>
-          </a:lstStyle>
+          <a:lstStyle/>
           <a:p>
             <a:pPr lvl="0" eaLnBrk="1" latinLnBrk="0" hangingPunct="1"/>
             <a:r>
@@ -1766,9 +1764,7 @@
         </p:spPr>
         <p:txBody>
           <a:bodyPr/>
-          <a:lstStyle>
-            <a:extLst/>
-          </a:lstStyle>
+          <a:lstStyle/>
           <a:p>
             <a:fld id="{AD37F492-0147-4240-B458-E5615735807C}" type="datetimeFigureOut">
               <a:rPr lang="en-US" smtClean="0"/>
@@ -1796,9 +1792,7 @@
         </p:spPr>
         <p:txBody>
           <a:bodyPr/>
-          <a:lstStyle>
-            <a:extLst/>
-          </a:lstStyle>
+          <a:lstStyle/>
           <a:p>
             <a:endParaRPr lang="en-US"/>
           </a:p>
@@ -1879,9 +1873,7 @@
         <p:spPr/>
         <p:txBody>
           <a:bodyPr/>
-          <a:lstStyle>
-            <a:extLst/>
-          </a:lstStyle>
+          <a:lstStyle/>
           <a:p>
             <a:r>
               <a:rPr kumimoji="0" lang="en-US" smtClean="0"/>
@@ -1904,9 +1896,7 @@
         <p:spPr/>
         <p:txBody>
           <a:bodyPr/>
-          <a:lstStyle>
-            <a:extLst/>
-          </a:lstStyle>
+          <a:lstStyle/>
           <a:p>
             <a:pPr lvl="0" eaLnBrk="1" latinLnBrk="0" hangingPunct="1"/>
             <a:r>
@@ -1958,9 +1948,7 @@
         <p:spPr/>
         <p:txBody>
           <a:bodyPr/>
-          <a:lstStyle>
-            <a:extLst/>
-          </a:lstStyle>
+          <a:lstStyle/>
           <a:p>
             <a:fld id="{AD37F492-0147-4240-B458-E5615735807C}" type="datetimeFigureOut">
               <a:rPr lang="en-US" smtClean="0"/>
@@ -1983,9 +1971,7 @@
         <p:spPr/>
         <p:txBody>
           <a:bodyPr/>
-          <a:lstStyle>
-            <a:extLst/>
-          </a:lstStyle>
+          <a:lstStyle/>
           <a:p>
             <a:endParaRPr lang="en-US"/>
           </a:p>
@@ -2004,9 +1990,7 @@
         <p:spPr/>
         <p:txBody>
           <a:bodyPr/>
-          <a:lstStyle>
-            <a:extLst/>
-          </a:lstStyle>
+          <a:lstStyle/>
           <a:p>
             <a:fld id="{22741F26-D9CC-4BF9-95EB-E951E7C907AE}" type="slidenum">
               <a:rPr lang="en-US" smtClean="0"/>
@@ -2247,9 +2231,7 @@
         </p:spPr>
         <p:txBody>
           <a:bodyPr/>
-          <a:lstStyle>
-            <a:extLst/>
-          </a:lstStyle>
+          <a:lstStyle/>
           <a:p>
             <a:fld id="{22741F26-D9CC-4BF9-95EB-E951E7C907AE}" type="slidenum">
               <a:rPr lang="en-US" smtClean="0"/>
@@ -2302,9 +2284,7 @@
         </p:spPr>
         <p:txBody>
           <a:bodyPr/>
-          <a:lstStyle>
-            <a:extLst/>
-          </a:lstStyle>
+          <a:lstStyle/>
           <a:p>
             <a:r>
               <a:rPr kumimoji="0" lang="en-US" smtClean="0"/>
@@ -2475,9 +2455,7 @@
         <p:spPr/>
         <p:txBody>
           <a:bodyPr/>
-          <a:lstStyle>
-            <a:extLst/>
-          </a:lstStyle>
+          <a:lstStyle/>
           <a:p>
             <a:fld id="{AD37F492-0147-4240-B458-E5615735807C}" type="datetimeFigureOut">
               <a:rPr lang="en-US" smtClean="0"/>
@@ -2500,9 +2478,7 @@
         <p:spPr/>
         <p:txBody>
           <a:bodyPr/>
-          <a:lstStyle>
-            <a:extLst/>
-          </a:lstStyle>
+          <a:lstStyle/>
           <a:p>
             <a:endParaRPr lang="en-US"/>
           </a:p>
@@ -2521,9 +2497,7 @@
         <p:spPr/>
         <p:txBody>
           <a:bodyPr/>
-          <a:lstStyle>
-            <a:extLst/>
-          </a:lstStyle>
+          <a:lstStyle/>
           <a:p>
             <a:fld id="{22741F26-D9CC-4BF9-95EB-E951E7C907AE}" type="slidenum">
               <a:rPr lang="en-US" smtClean="0"/>
@@ -2906,9 +2880,7 @@
         <p:spPr/>
         <p:txBody>
           <a:bodyPr/>
-          <a:lstStyle>
-            <a:extLst/>
-          </a:lstStyle>
+          <a:lstStyle/>
           <a:p>
             <a:fld id="{AD37F492-0147-4240-B458-E5615735807C}" type="datetimeFigureOut">
               <a:rPr lang="en-US" smtClean="0"/>
@@ -2931,9 +2903,7 @@
         <p:spPr/>
         <p:txBody>
           <a:bodyPr/>
-          <a:lstStyle>
-            <a:extLst/>
-          </a:lstStyle>
+          <a:lstStyle/>
           <a:p>
             <a:endParaRPr lang="en-US"/>
           </a:p>
@@ -2952,9 +2922,7 @@
         <p:spPr/>
         <p:txBody>
           <a:bodyPr/>
-          <a:lstStyle>
-            <a:extLst/>
-          </a:lstStyle>
+          <a:lstStyle/>
           <a:p>
             <a:fld id="{22741F26-D9CC-4BF9-95EB-E951E7C907AE}" type="slidenum">
               <a:rPr lang="en-US" smtClean="0"/>
@@ -3007,9 +2975,7 @@
         </p:spPr>
         <p:txBody>
           <a:bodyPr/>
-          <a:lstStyle>
-            <a:extLst/>
-          </a:lstStyle>
+          <a:lstStyle/>
           <a:p>
             <a:r>
               <a:rPr kumimoji="0" lang="en-US" smtClean="0"/>
@@ -3032,9 +2998,7 @@
         <p:spPr/>
         <p:txBody>
           <a:bodyPr/>
-          <a:lstStyle>
-            <a:extLst/>
-          </a:lstStyle>
+          <a:lstStyle/>
           <a:p>
             <a:fld id="{AD37F492-0147-4240-B458-E5615735807C}" type="datetimeFigureOut">
               <a:rPr lang="en-US" smtClean="0"/>
@@ -3057,9 +3021,7 @@
         <p:spPr/>
         <p:txBody>
           <a:bodyPr/>
-          <a:lstStyle>
-            <a:extLst/>
-          </a:lstStyle>
+          <a:lstStyle/>
           <a:p>
             <a:endParaRPr lang="en-US"/>
           </a:p>
@@ -3078,9 +3040,7 @@
         <p:spPr/>
         <p:txBody>
           <a:bodyPr/>
-          <a:lstStyle>
-            <a:extLst/>
-          </a:lstStyle>
+          <a:lstStyle/>
           <a:p>
             <a:fld id="{22741F26-D9CC-4BF9-95EB-E951E7C907AE}" type="slidenum">
               <a:rPr lang="en-US" smtClean="0"/>
@@ -3188,9 +3148,7 @@
         <p:spPr/>
         <p:txBody>
           <a:bodyPr/>
-          <a:lstStyle>
-            <a:extLst/>
-          </a:lstStyle>
+          <a:lstStyle/>
           <a:p>
             <a:fld id="{22741F26-D9CC-4BF9-95EB-E951E7C907AE}" type="slidenum">
               <a:rPr lang="en-US" smtClean="0"/>
@@ -3404,9 +3362,7 @@
         <p:spPr/>
         <p:txBody>
           <a:bodyPr/>
-          <a:lstStyle>
-            <a:extLst/>
-          </a:lstStyle>
+          <a:lstStyle/>
           <a:p>
             <a:fld id="{AD37F492-0147-4240-B458-E5615735807C}" type="datetimeFigureOut">
               <a:rPr lang="en-US" smtClean="0"/>
@@ -3429,9 +3385,7 @@
         <p:spPr/>
         <p:txBody>
           <a:bodyPr/>
-          <a:lstStyle>
-            <a:extLst/>
-          </a:lstStyle>
+          <a:lstStyle/>
           <a:p>
             <a:endParaRPr lang="en-US"/>
           </a:p>
@@ -3450,9 +3404,7 @@
         <p:spPr/>
         <p:txBody>
           <a:bodyPr/>
-          <a:lstStyle>
-            <a:extLst/>
-          </a:lstStyle>
+          <a:lstStyle/>
           <a:p>
             <a:fld id="{22741F26-D9CC-4BF9-95EB-E951E7C907AE}" type="slidenum">
               <a:rPr lang="en-US" smtClean="0"/>
@@ -3539,9 +3491,7 @@
         </p:style>
         <p:txBody>
           <a:bodyPr rtlCol="0" anchor="ctr"/>
-          <a:lstStyle>
-            <a:extLst/>
-          </a:lstStyle>
+          <a:lstStyle/>
           <a:p>
             <a:pPr algn="ctr" eaLnBrk="1" latinLnBrk="0" hangingPunct="1"/>
             <a:endParaRPr kumimoji="0" lang="en-US"/>
@@ -3595,9 +3545,7 @@
         </p:style>
         <p:txBody>
           <a:bodyPr rtlCol="0" anchor="ctr"/>
-          <a:lstStyle>
-            <a:extLst/>
-          </a:lstStyle>
+          <a:lstStyle/>
           <a:p>
             <a:pPr algn="ctr" eaLnBrk="1" latinLnBrk="0" hangingPunct="1"/>
             <a:endParaRPr kumimoji="0" lang="en-US"/>
@@ -3768,9 +3716,7 @@
         <p:spPr/>
         <p:txBody>
           <a:bodyPr/>
-          <a:lstStyle>
-            <a:extLst/>
-          </a:lstStyle>
+          <a:lstStyle/>
           <a:p>
             <a:fld id="{AD37F492-0147-4240-B458-E5615735807C}" type="datetimeFigureOut">
               <a:rPr lang="en-US" smtClean="0"/>
@@ -3793,9 +3739,7 @@
         <p:spPr/>
         <p:txBody>
           <a:bodyPr/>
-          <a:lstStyle>
-            <a:extLst/>
-          </a:lstStyle>
+          <a:lstStyle/>
           <a:p>
             <a:endParaRPr lang="en-US"/>
           </a:p>
@@ -3814,9 +3758,7 @@
         <p:spPr/>
         <p:txBody>
           <a:bodyPr/>
-          <a:lstStyle>
-            <a:extLst/>
-          </a:lstStyle>
+          <a:lstStyle/>
           <a:p>
             <a:fld id="{22741F26-D9CC-4BF9-95EB-E951E7C907AE}" type="slidenum">
               <a:rPr lang="en-US" smtClean="0"/>
@@ -3987,9 +3929,7 @@
         </p:style>
         <p:txBody>
           <a:bodyPr anchor="ctr"/>
-          <a:lstStyle>
-            <a:extLst/>
-          </a:lstStyle>
+          <a:lstStyle/>
           <a:p>
             <a:pPr algn="ctr" eaLnBrk="1" latinLnBrk="0" hangingPunct="1"/>
             <a:endParaRPr kumimoji="0" lang="en-US"/>
@@ -4019,9 +3959,7 @@
           <a:bodyPr vert="horz" lIns="45720" tIns="0" rIns="45720" bIns="0" anchor="b" anchorCtr="0">
             <a:normAutofit/>
           </a:bodyPr>
-          <a:lstStyle>
-            <a:extLst/>
-          </a:lstStyle>
+          <a:lstStyle/>
           <a:p>
             <a:r>
               <a:rPr kumimoji="0" lang="en-US" smtClean="0"/>
@@ -4054,9 +3992,7 @@
           <a:bodyPr vert="horz">
             <a:normAutofit/>
           </a:bodyPr>
-          <a:lstStyle>
-            <a:extLst/>
-          </a:lstStyle>
+          <a:lstStyle/>
           <a:p>
             <a:pPr lvl="0" eaLnBrk="1" latinLnBrk="0" hangingPunct="1"/>
             <a:r>
@@ -4643,11 +4579,7 @@
             </a:pPr>
             <a:r>
               <a:rPr lang="en-IN" dirty="0" smtClean="0"/>
-              <a:t>1</a:t>
-            </a:r>
-            <a:r>
-              <a:rPr lang="en-IN" dirty="0" smtClean="0"/>
-              <a:t>- Workflow In Keystone:-</a:t>
+              <a:t>1- Workflow In Keystone:-</a:t>
             </a:r>
           </a:p>
           <a:p>
@@ -4827,49 +4759,23 @@
           </a:p>
         </p:txBody>
       </p:sp>
-      <p:sp>
-        <p:nvSpPr>
-          <p:cNvPr id="4" name="TextBox 3"/>
-          <p:cNvSpPr txBox="1"/>
-          <p:nvPr/>
-        </p:nvSpPr>
-        <p:spPr>
-          <a:xfrm>
-            <a:off x="1071538" y="1928802"/>
-            <a:ext cx="4418646" cy="861774"/>
-          </a:xfrm>
-          <a:prstGeom prst="rect">
-            <a:avLst/>
-          </a:prstGeom>
-          <a:noFill/>
-        </p:spPr>
-        <p:txBody>
-          <a:bodyPr wrap="none" rtlCol="0">
-            <a:spAutoFit/>
-          </a:bodyPr>
-          <a:lstStyle/>
-          <a:p>
-            <a:r>
-              <a:rPr lang="en-IN" sz="3200" dirty="0" smtClean="0"/>
-              <a:t>Segment has In two parts</a:t>
-            </a:r>
-          </a:p>
-          <a:p>
-            <a:endParaRPr lang="en-US" dirty="0"/>
-          </a:p>
-        </p:txBody>
-      </p:sp>
       <p:graphicFrame>
         <p:nvGraphicFramePr>
           <p:cNvPr id="5" name="Table 4"/>
           <p:cNvGraphicFramePr>
             <a:graphicFrameLocks noGrp="1"/>
           </p:cNvGraphicFramePr>
-          <p:nvPr/>
+          <p:nvPr>
+            <p:extLst>
+              <p:ext uri="{D42A27DB-BD31-4B8C-83A1-F6EECF244321}">
+                <p14:modId xmlns:p14="http://schemas.microsoft.com/office/powerpoint/2010/main" val="1338192247"/>
+              </p:ext>
+            </p:extLst>
+          </p:nvPr>
         </p:nvGraphicFramePr>
         <p:xfrm>
-          <a:off x="642909" y="2697480"/>
-          <a:ext cx="4857784" cy="1097280"/>
+          <a:off x="1331640" y="4437112"/>
+          <a:ext cx="4857784" cy="1385313"/>
         </p:xfrm>
         <a:graphic>
           <a:graphicData uri="http://schemas.openxmlformats.org/drawingml/2006/table">
@@ -4878,10 +4784,22 @@
                 <a:tableStyleId>{5C22544A-7EE6-4342-B048-85BDC9FD1C3A}</a:tableStyleId>
               </a:tblPr>
               <a:tblGrid>
-                <a:gridCol w="2428892"/>
-                <a:gridCol w="2428892"/>
+                <a:gridCol w="2428892">
+                  <a:extLst>
+                    <a:ext uri="{9D8B030D-6E8A-4147-A177-3AD203B41FA5}">
+                      <a16:colId xmlns:a16="http://schemas.microsoft.com/office/drawing/2014/main" val="20000"/>
+                    </a:ext>
+                  </a:extLst>
+                </a:gridCol>
+                <a:gridCol w="2428892">
+                  <a:extLst>
+                    <a:ext uri="{9D8B030D-6E8A-4147-A177-3AD203B41FA5}">
+                      <a16:colId xmlns:a16="http://schemas.microsoft.com/office/drawing/2014/main" val="20001"/>
+                    </a:ext>
+                  </a:extLst>
+                </a:gridCol>
               </a:tblGrid>
-              <a:tr h="0">
+              <a:tr h="461771">
                 <a:tc>
                   <a:txBody>
                     <a:bodyPr/>
@@ -4910,8 +4828,13 @@
                   </a:txBody>
                   <a:tcPr/>
                 </a:tc>
+                <a:extLst>
+                  <a:ext uri="{0D108BD9-81ED-4DB2-BD59-A6C34878D82A}">
+                    <a16:rowId xmlns:a16="http://schemas.microsoft.com/office/drawing/2014/main" val="10000"/>
+                  </a:ext>
+                </a:extLst>
               </a:tr>
-              <a:tr h="0">
+              <a:tr h="461771">
                 <a:tc>
                   <a:txBody>
                     <a:bodyPr/>
@@ -4940,8 +4863,13 @@
                   </a:txBody>
                   <a:tcPr/>
                 </a:tc>
+                <a:extLst>
+                  <a:ext uri="{0D108BD9-81ED-4DB2-BD59-A6C34878D82A}">
+                    <a16:rowId xmlns:a16="http://schemas.microsoft.com/office/drawing/2014/main" val="10001"/>
+                  </a:ext>
+                </a:extLst>
               </a:tr>
-              <a:tr h="0">
+              <a:tr h="461771">
                 <a:tc>
                   <a:txBody>
                     <a:bodyPr/>
@@ -4970,11 +4898,108 @@
                   </a:txBody>
                   <a:tcPr/>
                 </a:tc>
+                <a:extLst>
+                  <a:ext uri="{0D108BD9-81ED-4DB2-BD59-A6C34878D82A}">
+                    <a16:rowId xmlns:a16="http://schemas.microsoft.com/office/drawing/2014/main" val="10002"/>
+                  </a:ext>
+                </a:extLst>
               </a:tr>
             </a:tbl>
           </a:graphicData>
         </a:graphic>
       </p:graphicFrame>
+      <p:sp>
+        <p:nvSpPr>
+          <p:cNvPr id="3" name="Rectangle 2"/>
+          <p:cNvSpPr/>
+          <p:nvPr/>
+        </p:nvSpPr>
+        <p:spPr>
+          <a:xfrm>
+            <a:off x="457200" y="1556793"/>
+            <a:ext cx="7242048" cy="2585323"/>
+          </a:xfrm>
+          <a:prstGeom prst="rect">
+            <a:avLst/>
+          </a:prstGeom>
+        </p:spPr>
+        <p:txBody>
+          <a:bodyPr wrap="square">
+            <a:spAutoFit/>
+          </a:bodyPr>
+          <a:lstStyle/>
+          <a:p>
+            <a:r>
+              <a:rPr lang="en-US" dirty="0"/>
+              <a:t>Segment is a group of user according to a rule</a:t>
+            </a:r>
+            <a:r>
+              <a:rPr lang="en-US" dirty="0" smtClean="0"/>
+              <a:t>.</a:t>
+            </a:r>
+          </a:p>
+          <a:p>
+            <a:endParaRPr lang="en-US" dirty="0"/>
+          </a:p>
+          <a:p>
+            <a:r>
+              <a:rPr lang="en-US" dirty="0"/>
+              <a:t>There are two auxiliary segments:</a:t>
+            </a:r>
+          </a:p>
+          <a:p>
+            <a:pPr marL="800100" lvl="1" indent="-342900">
+              <a:buFont typeface="+mj-lt"/>
+              <a:buAutoNum type="arabicPeriod"/>
+            </a:pPr>
+            <a:r>
+              <a:rPr lang="en-US" dirty="0"/>
+              <a:t>Default (users who are not belong to any  other segment)</a:t>
+            </a:r>
+          </a:p>
+          <a:p>
+            <a:pPr marL="800100" lvl="1" indent="-342900">
+              <a:buFont typeface="+mj-lt"/>
+              <a:buAutoNum type="arabicPeriod"/>
+            </a:pPr>
+            <a:r>
+              <a:rPr lang="en-US" dirty="0"/>
+              <a:t>All (all users irrespective to any segment </a:t>
+            </a:r>
+            <a:r>
+              <a:rPr lang="en-US" dirty="0" smtClean="0"/>
+              <a:t>rule)</a:t>
+            </a:r>
+          </a:p>
+          <a:p>
+            <a:pPr lvl="1"/>
+            <a:endParaRPr lang="en-US" dirty="0" smtClean="0"/>
+          </a:p>
+          <a:p>
+            <a:pPr lvl="1"/>
+            <a:r>
+              <a:rPr lang="en-US" dirty="0" smtClean="0"/>
+              <a:t>Segment </a:t>
+            </a:r>
+            <a:r>
+              <a:rPr lang="en-US" dirty="0"/>
+              <a:t>contains its campaign id</a:t>
+            </a:r>
+          </a:p>
+          <a:p>
+            <a:pPr lvl="1"/>
+            <a:endParaRPr lang="en-US" dirty="0"/>
+          </a:p>
+          <a:p>
+            <a:pPr lvl="1"/>
+            <a:r>
+              <a:rPr lang="en-US" dirty="0"/>
+              <a:t>In Database, there are two tables Segment and SegmentRule</a:t>
+            </a:r>
+            <a:endParaRPr lang="en-US" dirty="0"/>
+          </a:p>
+        </p:txBody>
+      </p:sp>
     </p:spTree>
   </p:cSld>
   <p:clrMapOvr>
@@ -5150,11 +5175,7 @@
             </a:r>
             <a:r>
               <a:rPr lang="en-US" b="1" dirty="0" smtClean="0"/>
-              <a:t>Subject</a:t>
-            </a:r>
-            <a:r>
-              <a:rPr lang="en-US" b="1" dirty="0" smtClean="0"/>
-              <a:t> </a:t>
+              <a:t>Subject </a:t>
             </a:r>
             <a:r>
               <a:rPr lang="en-IN" dirty="0" smtClean="0"/>
@@ -5169,18 +5190,7 @@
                   </a:schemeClr>
                 </a:solidFill>
               </a:rPr>
-              <a:t>Content Subject Table</a:t>
-            </a:r>
-            <a:r>
-              <a:rPr lang="en-IN" b="1" dirty="0" smtClean="0">
-                <a:solidFill>
-                  <a:schemeClr val="tx2">
-                    <a:lumMod val="60000"/>
-                    <a:lumOff val="40000"/>
-                  </a:schemeClr>
-                </a:solidFill>
-              </a:rPr>
-              <a:t>, and Mapped with Content Detail Table.</a:t>
+              <a:t>Content Subject Table, and Mapped with Content Detail Table.</a:t>
             </a:r>
           </a:p>
           <a:p>
@@ -5283,10 +5293,15 @@
             <p:ph idx="1"/>
           </p:nvPr>
         </p:nvSpPr>
-        <p:spPr/>
+        <p:spPr>
+          <a:xfrm>
+            <a:off x="773235" y="2636912"/>
+            <a:ext cx="6148536" cy="3170752"/>
+          </a:xfrm>
+        </p:spPr>
         <p:txBody>
           <a:bodyPr>
-            <a:normAutofit/>
+            <a:normAutofit fontScale="92500" lnSpcReduction="20000"/>
           </a:bodyPr>
           <a:lstStyle/>
           <a:p>
@@ -5329,6 +5344,41 @@
             <a:r>
               <a:rPr lang="en-IN" dirty="0" smtClean="0"/>
               <a:t>End</a:t>
+            </a:r>
+            <a:endParaRPr lang="en-US" dirty="0"/>
+          </a:p>
+        </p:txBody>
+      </p:sp>
+      <p:sp>
+        <p:nvSpPr>
+          <p:cNvPr id="3" name="Rectangle 2"/>
+          <p:cNvSpPr/>
+          <p:nvPr/>
+        </p:nvSpPr>
+        <p:spPr>
+          <a:xfrm>
+            <a:off x="755576" y="1726810"/>
+            <a:ext cx="6940624" cy="646331"/>
+          </a:xfrm>
+          <a:prstGeom prst="rect">
+            <a:avLst/>
+          </a:prstGeom>
+        </p:spPr>
+        <p:txBody>
+          <a:bodyPr wrap="square">
+            <a:spAutoFit/>
+          </a:bodyPr>
+          <a:lstStyle/>
+          <a:p>
+            <a:r>
+              <a:rPr lang="en-US" dirty="0"/>
+              <a:t>Journey starts from segment and it is for a segment.</a:t>
+            </a:r>
+          </a:p>
+          <a:p>
+            <a:r>
+              <a:rPr lang="en-US" dirty="0"/>
+              <a:t>There are several nodes called JourneyEvent.</a:t>
             </a:r>
             <a:endParaRPr lang="en-US" dirty="0"/>
           </a:p>
@@ -5380,9 +5430,27 @@
                 <a:tableStyleId>{5C22544A-7EE6-4342-B048-85BDC9FD1C3A}</a:tableStyleId>
               </a:tblPr>
               <a:tblGrid>
-                <a:gridCol w="3048000"/>
-                <a:gridCol w="3048000"/>
-                <a:gridCol w="3048000"/>
+                <a:gridCol w="3048000">
+                  <a:extLst>
+                    <a:ext uri="{9D8B030D-6E8A-4147-A177-3AD203B41FA5}">
+                      <a16:colId xmlns:a16="http://schemas.microsoft.com/office/drawing/2014/main" val="20000"/>
+                    </a:ext>
+                  </a:extLst>
+                </a:gridCol>
+                <a:gridCol w="3048000">
+                  <a:extLst>
+                    <a:ext uri="{9D8B030D-6E8A-4147-A177-3AD203B41FA5}">
+                      <a16:colId xmlns:a16="http://schemas.microsoft.com/office/drawing/2014/main" val="20001"/>
+                    </a:ext>
+                  </a:extLst>
+                </a:gridCol>
+                <a:gridCol w="3048000">
+                  <a:extLst>
+                    <a:ext uri="{9D8B030D-6E8A-4147-A177-3AD203B41FA5}">
+                      <a16:colId xmlns:a16="http://schemas.microsoft.com/office/drawing/2014/main" val="20002"/>
+                    </a:ext>
+                  </a:extLst>
+                </a:gridCol>
               </a:tblGrid>
               <a:tr h="887630">
                 <a:tc>
@@ -5423,6 +5491,11 @@
                   </a:txBody>
                   <a:tcPr/>
                 </a:tc>
+                <a:extLst>
+                  <a:ext uri="{0D108BD9-81ED-4DB2-BD59-A6C34878D82A}">
+                    <a16:rowId xmlns:a16="http://schemas.microsoft.com/office/drawing/2014/main" val="10000"/>
+                  </a:ext>
+                </a:extLst>
               </a:tr>
               <a:tr h="1965749">
                 <a:tc>
@@ -5481,6 +5554,11 @@
                   </a:txBody>
                   <a:tcPr/>
                 </a:tc>
+                <a:extLst>
+                  <a:ext uri="{0D108BD9-81ED-4DB2-BD59-A6C34878D82A}">
+                    <a16:rowId xmlns:a16="http://schemas.microsoft.com/office/drawing/2014/main" val="10001"/>
+                  </a:ext>
+                </a:extLst>
               </a:tr>
               <a:tr h="1344986">
                 <a:tc>
@@ -5545,6 +5623,11 @@
                   </a:txBody>
                   <a:tcPr/>
                 </a:tc>
+                <a:extLst>
+                  <a:ext uri="{0D108BD9-81ED-4DB2-BD59-A6C34878D82A}">
+                    <a16:rowId xmlns:a16="http://schemas.microsoft.com/office/drawing/2014/main" val="10002"/>
+                  </a:ext>
+                </a:extLst>
               </a:tr>
               <a:tr h="1655367">
                 <a:tc>
@@ -5623,6 +5706,11 @@
                   </a:txBody>
                   <a:tcPr/>
                 </a:tc>
+                <a:extLst>
+                  <a:ext uri="{0D108BD9-81ED-4DB2-BD59-A6C34878D82A}">
+                    <a16:rowId xmlns:a16="http://schemas.microsoft.com/office/drawing/2014/main" val="10003"/>
+                  </a:ext>
+                </a:extLst>
               </a:tr>
               <a:tr h="932854">
                 <a:tc>
@@ -5671,6 +5759,11 @@
                   </a:txBody>
                   <a:tcPr/>
                 </a:tc>
+                <a:extLst>
+                  <a:ext uri="{0D108BD9-81ED-4DB2-BD59-A6C34878D82A}">
+                    <a16:rowId xmlns:a16="http://schemas.microsoft.com/office/drawing/2014/main" val="10004"/>
+                  </a:ext>
+                </a:extLst>
               </a:tr>
             </a:tbl>
           </a:graphicData>
@@ -5745,7 +5838,15 @@
           <a:p>
             <a:r>
               <a:rPr lang="en-IN" dirty="0" smtClean="0"/>
-              <a:t>It save in Survey Enrolment Table.</a:t>
+              <a:t>It save in </a:t>
+            </a:r>
+            <a:r>
+              <a:rPr lang="en-IN" dirty="0" err="1" smtClean="0"/>
+              <a:t>SurveyResponseTable</a:t>
+            </a:r>
+            <a:r>
+              <a:rPr lang="en-IN" dirty="0" smtClean="0"/>
+              <a:t>.</a:t>
             </a:r>
           </a:p>
           <a:p>
@@ -5808,9 +5909,6 @@
               </a:rPr>
               <a:t>User Details</a:t>
             </a:r>
-            <a:endParaRPr lang="en-IN" dirty="0" smtClean="0">
-              <a:latin typeface="Algerian" pitchFamily="82" charset="0"/>
-            </a:endParaRPr>
           </a:p>
         </p:txBody>
       </p:sp>
@@ -5946,8 +6044,20 @@
                 <a:tableStyleId>{5C22544A-7EE6-4342-B048-85BDC9FD1C3A}</a:tableStyleId>
               </a:tblPr>
               <a:tblGrid>
-                <a:gridCol w="3821933"/>
-                <a:gridCol w="3821933"/>
+                <a:gridCol w="3821933">
+                  <a:extLst>
+                    <a:ext uri="{9D8B030D-6E8A-4147-A177-3AD203B41FA5}">
+                      <a16:colId xmlns:a16="http://schemas.microsoft.com/office/drawing/2014/main" val="20000"/>
+                    </a:ext>
+                  </a:extLst>
+                </a:gridCol>
+                <a:gridCol w="3821933">
+                  <a:extLst>
+                    <a:ext uri="{9D8B030D-6E8A-4147-A177-3AD203B41FA5}">
+                      <a16:colId xmlns:a16="http://schemas.microsoft.com/office/drawing/2014/main" val="20001"/>
+                    </a:ext>
+                  </a:extLst>
+                </a:gridCol>
               </a:tblGrid>
               <a:tr h="477950">
                 <a:tc>
@@ -5978,6 +6088,11 @@
                   </a:txBody>
                   <a:tcPr/>
                 </a:tc>
+                <a:extLst>
+                  <a:ext uri="{0D108BD9-81ED-4DB2-BD59-A6C34878D82A}">
+                    <a16:rowId xmlns:a16="http://schemas.microsoft.com/office/drawing/2014/main" val="10000"/>
+                  </a:ext>
+                </a:extLst>
               </a:tr>
               <a:tr h="477950">
                 <a:tc>
@@ -6008,6 +6123,11 @@
                   </a:txBody>
                   <a:tcPr/>
                 </a:tc>
+                <a:extLst>
+                  <a:ext uri="{0D108BD9-81ED-4DB2-BD59-A6C34878D82A}">
+                    <a16:rowId xmlns:a16="http://schemas.microsoft.com/office/drawing/2014/main" val="10001"/>
+                  </a:ext>
+                </a:extLst>
               </a:tr>
               <a:tr h="477950">
                 <a:tc>
@@ -6038,6 +6158,11 @@
                   </a:txBody>
                   <a:tcPr/>
                 </a:tc>
+                <a:extLst>
+                  <a:ext uri="{0D108BD9-81ED-4DB2-BD59-A6C34878D82A}">
+                    <a16:rowId xmlns:a16="http://schemas.microsoft.com/office/drawing/2014/main" val="10002"/>
+                  </a:ext>
+                </a:extLst>
               </a:tr>
               <a:tr h="477950">
                 <a:tc>
@@ -6067,6 +6192,11 @@
                   </a:txBody>
                   <a:tcPr/>
                 </a:tc>
+                <a:extLst>
+                  <a:ext uri="{0D108BD9-81ED-4DB2-BD59-A6C34878D82A}">
+                    <a16:rowId xmlns:a16="http://schemas.microsoft.com/office/drawing/2014/main" val="10003"/>
+                  </a:ext>
+                </a:extLst>
               </a:tr>
               <a:tr h="477950">
                 <a:tc>
@@ -6096,6 +6226,11 @@
                   </a:txBody>
                   <a:tcPr/>
                 </a:tc>
+                <a:extLst>
+                  <a:ext uri="{0D108BD9-81ED-4DB2-BD59-A6C34878D82A}">
+                    <a16:rowId xmlns:a16="http://schemas.microsoft.com/office/drawing/2014/main" val="10004"/>
+                  </a:ext>
+                </a:extLst>
               </a:tr>
               <a:tr h="824957">
                 <a:tc>
@@ -6129,6 +6264,11 @@
                   </a:txBody>
                   <a:tcPr/>
                 </a:tc>
+                <a:extLst>
+                  <a:ext uri="{0D108BD9-81ED-4DB2-BD59-A6C34878D82A}">
+                    <a16:rowId xmlns:a16="http://schemas.microsoft.com/office/drawing/2014/main" val="10005"/>
+                  </a:ext>
+                </a:extLst>
               </a:tr>
             </a:tbl>
           </a:graphicData>
@@ -6207,10 +6347,34 @@
                 <a:tableStyleId>{5C22544A-7EE6-4342-B048-85BDC9FD1C3A}</a:tableStyleId>
               </a:tblPr>
               <a:tblGrid>
-                <a:gridCol w="1946686"/>
-                <a:gridCol w="1946686"/>
-                <a:gridCol w="1946686"/>
-                <a:gridCol w="1946686"/>
+                <a:gridCol w="1946686">
+                  <a:extLst>
+                    <a:ext uri="{9D8B030D-6E8A-4147-A177-3AD203B41FA5}">
+                      <a16:colId xmlns:a16="http://schemas.microsoft.com/office/drawing/2014/main" val="20000"/>
+                    </a:ext>
+                  </a:extLst>
+                </a:gridCol>
+                <a:gridCol w="1946686">
+                  <a:extLst>
+                    <a:ext uri="{9D8B030D-6E8A-4147-A177-3AD203B41FA5}">
+                      <a16:colId xmlns:a16="http://schemas.microsoft.com/office/drawing/2014/main" val="20001"/>
+                    </a:ext>
+                  </a:extLst>
+                </a:gridCol>
+                <a:gridCol w="1946686">
+                  <a:extLst>
+                    <a:ext uri="{9D8B030D-6E8A-4147-A177-3AD203B41FA5}">
+                      <a16:colId xmlns:a16="http://schemas.microsoft.com/office/drawing/2014/main" val="20002"/>
+                    </a:ext>
+                  </a:extLst>
+                </a:gridCol>
+                <a:gridCol w="1946686">
+                  <a:extLst>
+                    <a:ext uri="{9D8B030D-6E8A-4147-A177-3AD203B41FA5}">
+                      <a16:colId xmlns:a16="http://schemas.microsoft.com/office/drawing/2014/main" val="20003"/>
+                    </a:ext>
+                  </a:extLst>
+                </a:gridCol>
               </a:tblGrid>
               <a:tr h="958945">
                 <a:tc>
@@ -6273,6 +6437,11 @@
                   </a:txBody>
                   <a:tcPr/>
                 </a:tc>
+                <a:extLst>
+                  <a:ext uri="{0D108BD9-81ED-4DB2-BD59-A6C34878D82A}">
+                    <a16:rowId xmlns:a16="http://schemas.microsoft.com/office/drawing/2014/main" val="10000"/>
+                  </a:ext>
+                </a:extLst>
               </a:tr>
               <a:tr h="1369921">
                 <a:tc>
@@ -6349,6 +6518,11 @@
                   </a:txBody>
                   <a:tcPr/>
                 </a:tc>
+                <a:extLst>
+                  <a:ext uri="{0D108BD9-81ED-4DB2-BD59-A6C34878D82A}">
+                    <a16:rowId xmlns:a16="http://schemas.microsoft.com/office/drawing/2014/main" val="10001"/>
+                  </a:ext>
+                </a:extLst>
               </a:tr>
             </a:tbl>
           </a:graphicData>
@@ -6527,9 +6701,27 @@
                 <a:tableStyleId>{5C22544A-7EE6-4342-B048-85BDC9FD1C3A}</a:tableStyleId>
               </a:tblPr>
               <a:tblGrid>
-                <a:gridCol w="1966917"/>
-                <a:gridCol w="1966917"/>
-                <a:gridCol w="1966917"/>
+                <a:gridCol w="1966917">
+                  <a:extLst>
+                    <a:ext uri="{9D8B030D-6E8A-4147-A177-3AD203B41FA5}">
+                      <a16:colId xmlns:a16="http://schemas.microsoft.com/office/drawing/2014/main" val="20000"/>
+                    </a:ext>
+                  </a:extLst>
+                </a:gridCol>
+                <a:gridCol w="1966917">
+                  <a:extLst>
+                    <a:ext uri="{9D8B030D-6E8A-4147-A177-3AD203B41FA5}">
+                      <a16:colId xmlns:a16="http://schemas.microsoft.com/office/drawing/2014/main" val="20001"/>
+                    </a:ext>
+                  </a:extLst>
+                </a:gridCol>
+                <a:gridCol w="1966917">
+                  <a:extLst>
+                    <a:ext uri="{9D8B030D-6E8A-4147-A177-3AD203B41FA5}">
+                      <a16:colId xmlns:a16="http://schemas.microsoft.com/office/drawing/2014/main" val="20002"/>
+                    </a:ext>
+                  </a:extLst>
+                </a:gridCol>
               </a:tblGrid>
               <a:tr h="370840">
                 <a:tc>
@@ -6574,6 +6766,11 @@
                   </a:txBody>
                   <a:tcPr/>
                 </a:tc>
+                <a:extLst>
+                  <a:ext uri="{0D108BD9-81ED-4DB2-BD59-A6C34878D82A}">
+                    <a16:rowId xmlns:a16="http://schemas.microsoft.com/office/drawing/2014/main" val="10000"/>
+                  </a:ext>
+                </a:extLst>
               </a:tr>
               <a:tr h="370840">
                 <a:tc>
@@ -6626,6 +6823,11 @@
                   </a:txBody>
                   <a:tcPr/>
                 </a:tc>
+                <a:extLst>
+                  <a:ext uri="{0D108BD9-81ED-4DB2-BD59-A6C34878D82A}">
+                    <a16:rowId xmlns:a16="http://schemas.microsoft.com/office/drawing/2014/main" val="10001"/>
+                  </a:ext>
+                </a:extLst>
               </a:tr>
               <a:tr h="370840">
                 <a:tc>
@@ -6670,6 +6872,11 @@
                   </a:txBody>
                   <a:tcPr/>
                 </a:tc>
+                <a:extLst>
+                  <a:ext uri="{0D108BD9-81ED-4DB2-BD59-A6C34878D82A}">
+                    <a16:rowId xmlns:a16="http://schemas.microsoft.com/office/drawing/2014/main" val="10002"/>
+                  </a:ext>
+                </a:extLst>
               </a:tr>
               <a:tr h="370840">
                 <a:tc>
@@ -6721,6 +6928,11 @@
                   </a:txBody>
                   <a:tcPr/>
                 </a:tc>
+                <a:extLst>
+                  <a:ext uri="{0D108BD9-81ED-4DB2-BD59-A6C34878D82A}">
+                    <a16:rowId xmlns:a16="http://schemas.microsoft.com/office/drawing/2014/main" val="10003"/>
+                  </a:ext>
+                </a:extLst>
               </a:tr>
               <a:tr h="370840">
                 <a:tc>
@@ -6773,6 +6985,11 @@
                   </a:txBody>
                   <a:tcPr/>
                 </a:tc>
+                <a:extLst>
+                  <a:ext uri="{0D108BD9-81ED-4DB2-BD59-A6C34878D82A}">
+                    <a16:rowId xmlns:a16="http://schemas.microsoft.com/office/drawing/2014/main" val="10004"/>
+                  </a:ext>
+                </a:extLst>
               </a:tr>
             </a:tbl>
           </a:graphicData>
@@ -6910,10 +7127,16 @@
           <p:cNvGraphicFramePr>
             <a:graphicFrameLocks noGrp="1"/>
           </p:cNvGraphicFramePr>
-          <p:nvPr/>
+          <p:nvPr>
+            <p:extLst>
+              <p:ext uri="{D42A27DB-BD31-4B8C-83A1-F6EECF244321}">
+                <p14:modId xmlns:p14="http://schemas.microsoft.com/office/powerpoint/2010/main" val="3018952698"/>
+              </p:ext>
+            </p:extLst>
+          </p:nvPr>
         </p:nvGraphicFramePr>
         <p:xfrm>
-          <a:off x="500034" y="857231"/>
+          <a:off x="179512" y="620688"/>
           <a:ext cx="7929618" cy="5390495"/>
         </p:xfrm>
         <a:graphic>
@@ -6923,9 +7146,27 @@
                 <a:tableStyleId>{5C22544A-7EE6-4342-B048-85BDC9FD1C3A}</a:tableStyleId>
               </a:tblPr>
               <a:tblGrid>
-                <a:gridCol w="2643206"/>
-                <a:gridCol w="2643206"/>
-                <a:gridCol w="2643206"/>
+                <a:gridCol w="2643206">
+                  <a:extLst>
+                    <a:ext uri="{9D8B030D-6E8A-4147-A177-3AD203B41FA5}">
+                      <a16:colId xmlns:a16="http://schemas.microsoft.com/office/drawing/2014/main" val="20000"/>
+                    </a:ext>
+                  </a:extLst>
+                </a:gridCol>
+                <a:gridCol w="2643206">
+                  <a:extLst>
+                    <a:ext uri="{9D8B030D-6E8A-4147-A177-3AD203B41FA5}">
+                      <a16:colId xmlns:a16="http://schemas.microsoft.com/office/drawing/2014/main" val="20001"/>
+                    </a:ext>
+                  </a:extLst>
+                </a:gridCol>
+                <a:gridCol w="2643206">
+                  <a:extLst>
+                    <a:ext uri="{9D8B030D-6E8A-4147-A177-3AD203B41FA5}">
+                      <a16:colId xmlns:a16="http://schemas.microsoft.com/office/drawing/2014/main" val="20002"/>
+                    </a:ext>
+                  </a:extLst>
+                </a:gridCol>
               </a:tblGrid>
               <a:tr h="183551">
                 <a:tc>
@@ -6970,6 +7211,11 @@
                   </a:txBody>
                   <a:tcPr/>
                 </a:tc>
+                <a:extLst>
+                  <a:ext uri="{0D108BD9-81ED-4DB2-BD59-A6C34878D82A}">
+                    <a16:rowId xmlns:a16="http://schemas.microsoft.com/office/drawing/2014/main" val="10000"/>
+                  </a:ext>
+                </a:extLst>
               </a:tr>
               <a:tr h="1332192">
                 <a:tc>
@@ -7017,11 +7263,7 @@
                       </a:r>
                       <a:r>
                         <a:rPr lang="en-IN" baseline="0" dirty="0" smtClean="0"/>
-                        <a:t> System </a:t>
-                      </a:r>
-                      <a:r>
-                        <a:rPr lang="en-IN" baseline="0" dirty="0" smtClean="0"/>
-                        <a:t>Level</a:t>
+                        <a:t> System Level</a:t>
                       </a:r>
                     </a:p>
                     <a:p>
@@ -7034,6 +7276,11 @@
                   </a:txBody>
                   <a:tcPr/>
                 </a:tc>
+                <a:extLst>
+                  <a:ext uri="{0D108BD9-81ED-4DB2-BD59-A6C34878D82A}">
+                    <a16:rowId xmlns:a16="http://schemas.microsoft.com/office/drawing/2014/main" val="10001"/>
+                  </a:ext>
+                </a:extLst>
               </a:tr>
               <a:tr h="1040783">
                 <a:tc>
@@ -7070,6 +7317,11 @@
                   </a:txBody>
                   <a:tcPr/>
                 </a:tc>
+                <a:extLst>
+                  <a:ext uri="{0D108BD9-81ED-4DB2-BD59-A6C34878D82A}">
+                    <a16:rowId xmlns:a16="http://schemas.microsoft.com/office/drawing/2014/main" val="10002"/>
+                  </a:ext>
+                </a:extLst>
               </a:tr>
               <a:tr h="1040783">
                 <a:tc>
@@ -7124,6 +7376,11 @@
                   </a:txBody>
                   <a:tcPr/>
                 </a:tc>
+                <a:extLst>
+                  <a:ext uri="{0D108BD9-81ED-4DB2-BD59-A6C34878D82A}">
+                    <a16:rowId xmlns:a16="http://schemas.microsoft.com/office/drawing/2014/main" val="10003"/>
+                  </a:ext>
+                </a:extLst>
               </a:tr>
               <a:tr h="1040783">
                 <a:tc>
@@ -7192,6 +7449,11 @@
                   </a:txBody>
                   <a:tcPr/>
                 </a:tc>
+                <a:extLst>
+                  <a:ext uri="{0D108BD9-81ED-4DB2-BD59-A6C34878D82A}">
+                    <a16:rowId xmlns:a16="http://schemas.microsoft.com/office/drawing/2014/main" val="10004"/>
+                  </a:ext>
+                </a:extLst>
               </a:tr>
             </a:tbl>
           </a:graphicData>
@@ -7264,9 +7526,27 @@
                 <a:tableStyleId>{5C22544A-7EE6-4342-B048-85BDC9FD1C3A}</a:tableStyleId>
               </a:tblPr>
               <a:tblGrid>
-                <a:gridCol w="2405080"/>
-                <a:gridCol w="2405080"/>
-                <a:gridCol w="2405080"/>
+                <a:gridCol w="2405080">
+                  <a:extLst>
+                    <a:ext uri="{9D8B030D-6E8A-4147-A177-3AD203B41FA5}">
+                      <a16:colId xmlns:a16="http://schemas.microsoft.com/office/drawing/2014/main" val="20000"/>
+                    </a:ext>
+                  </a:extLst>
+                </a:gridCol>
+                <a:gridCol w="2405080">
+                  <a:extLst>
+                    <a:ext uri="{9D8B030D-6E8A-4147-A177-3AD203B41FA5}">
+                      <a16:colId xmlns:a16="http://schemas.microsoft.com/office/drawing/2014/main" val="20001"/>
+                    </a:ext>
+                  </a:extLst>
+                </a:gridCol>
+                <a:gridCol w="2405080">
+                  <a:extLst>
+                    <a:ext uri="{9D8B030D-6E8A-4147-A177-3AD203B41FA5}">
+                      <a16:colId xmlns:a16="http://schemas.microsoft.com/office/drawing/2014/main" val="20002"/>
+                    </a:ext>
+                  </a:extLst>
+                </a:gridCol>
               </a:tblGrid>
               <a:tr h="963085">
                 <a:tc>
@@ -7315,6 +7595,11 @@
                   </a:txBody>
                   <a:tcPr/>
                 </a:tc>
+                <a:extLst>
+                  <a:ext uri="{0D108BD9-81ED-4DB2-BD59-A6C34878D82A}">
+                    <a16:rowId xmlns:a16="http://schemas.microsoft.com/office/drawing/2014/main" val="10000"/>
+                  </a:ext>
+                </a:extLst>
               </a:tr>
               <a:tr h="963085">
                 <a:tc>
@@ -7359,6 +7644,11 @@
                   </a:txBody>
                   <a:tcPr/>
                 </a:tc>
+                <a:extLst>
+                  <a:ext uri="{0D108BD9-81ED-4DB2-BD59-A6C34878D82A}">
+                    <a16:rowId xmlns:a16="http://schemas.microsoft.com/office/drawing/2014/main" val="10001"/>
+                  </a:ext>
+                </a:extLst>
               </a:tr>
               <a:tr h="963085">
                 <a:tc>
@@ -7415,6 +7705,11 @@
                   </a:txBody>
                   <a:tcPr/>
                 </a:tc>
+                <a:extLst>
+                  <a:ext uri="{0D108BD9-81ED-4DB2-BD59-A6C34878D82A}">
+                    <a16:rowId xmlns:a16="http://schemas.microsoft.com/office/drawing/2014/main" val="10002"/>
+                  </a:ext>
+                </a:extLst>
               </a:tr>
             </a:tbl>
           </a:graphicData>
@@ -7428,8 +7723,8 @@
         </p:nvSpPr>
         <p:spPr>
           <a:xfrm>
-            <a:off x="1000100" y="5214950"/>
-            <a:ext cx="5894562" cy="646331"/>
+            <a:off x="323528" y="4286256"/>
+            <a:ext cx="7704856" cy="1200329"/>
           </a:xfrm>
           <a:prstGeom prst="rect">
             <a:avLst/>
@@ -7437,7 +7732,7 @@
           <a:noFill/>
         </p:spPr>
         <p:txBody>
-          <a:bodyPr wrap="none" rtlCol="0">
+          <a:bodyPr wrap="square" rtlCol="0">
             <a:spAutoFit/>
           </a:bodyPr>
           <a:lstStyle/>
@@ -7446,23 +7741,44 @@
               <a:buFont typeface="Arial" charset="0"/>
               <a:buChar char="•"/>
             </a:pPr>
-            <a:r>
-              <a:rPr lang="en-IN" dirty="0" err="1" smtClean="0"/>
-              <a:t>Enrollment</a:t>
-            </a:r>
-            <a:r>
-              <a:rPr lang="en-IN" dirty="0" smtClean="0"/>
-              <a:t> Survey saving on Campaign Level.</a:t>
-            </a:r>
-          </a:p>
-          <a:p>
-            <a:pPr>
-              <a:buFont typeface="Arial" charset="0"/>
+            <a:endParaRPr lang="en-IN" dirty="0" smtClean="0"/>
+          </a:p>
+          <a:p>
+            <a:pPr marL="285750" indent="-285750">
+              <a:buFont typeface="Arial" panose="020B0604020202020204" pitchFamily="34" charset="0"/>
               <a:buChar char="•"/>
             </a:pPr>
             <a:r>
+              <a:rPr lang="en-US" dirty="0"/>
+              <a:t>A Campaign can have multiple Surveys having its campaign id.</a:t>
+            </a:r>
+          </a:p>
+          <a:p>
+            <a:pPr marL="285750" indent="-285750">
+              <a:buFont typeface="Arial" panose="020B0604020202020204" pitchFamily="34" charset="0"/>
+              <a:buChar char="•"/>
+            </a:pPr>
+            <a:r>
+              <a:rPr lang="en-US" dirty="0"/>
+              <a:t>The only Live(published) survey is called </a:t>
+            </a:r>
+            <a:r>
+              <a:rPr lang="en-US" dirty="0" smtClean="0"/>
+              <a:t>EnrollmentSurvey.</a:t>
+            </a:r>
+          </a:p>
+          <a:p>
+            <a:pPr marL="285750" indent="-285750">
+              <a:buFont typeface="Arial" panose="020B0604020202020204" pitchFamily="34" charset="0"/>
+              <a:buChar char="•"/>
+            </a:pPr>
+            <a:r>
               <a:rPr lang="en-IN" dirty="0" smtClean="0"/>
-              <a:t>Here We did Mapping of Survey Question With Survey Table</a:t>
+              <a:t>Here </a:t>
+            </a:r>
+            <a:r>
+              <a:rPr lang="en-IN" dirty="0" smtClean="0"/>
+              <a:t>We did Mapping of Survey Question With Survey Table</a:t>
             </a:r>
             <a:endParaRPr lang="en-US" dirty="0"/>
           </a:p>
